--- a/src/modified_ppts/modified_ResearchProjectSummary.pptx
+++ b/src/modified_ppts/modified_ResearchProjectSummary.pptx
@@ -3865,15 +3865,10 @@
           <a:chExt cx="0" cy="0"/>
         </a:xfrm>
       </p:grpSpPr>
-      <p:sp>
-        <p:nvSpPr>
-          <p:cNvPr id="2" name="Title 1">
-            <a:extLst>
-              <a:ext uri="{FF2B5EF4-FFF2-40B4-BE49-F238E27FC236}">
-                <a16:creationId xmlns:a16="http://schemas.microsoft.com/office/drawing/2014/main" id="{C6B29438-46C3-0251-48E3-B18BC2DED4D8}"/>
-              </a:ext>
-            </a:extLst>
-          </p:cNvPr>
+      <!-- Title Shape -->
+      <p:sp>
+        <p:nvSpPr>
+          <p:cNvPr id="2" name="Title 1"/>
           <p:cNvSpPr>
             <a:spLocks noGrp="1"/>
           </p:cNvSpPr>
@@ -3887,21 +3882,16 @@
           <a:lstStyle/>
           <a:p>
             <a:r>
-              <a:rPr lang="en-US" dirty="0"/>
-              <a:t>Past Papers 2</a:t>
-            </a:r>
-          </a:p>
-        </p:txBody>
-      </p:sp>
-      <p:sp>
-        <p:nvSpPr>
-          <p:cNvPr id="3" name="Content Placeholder 2">
-            <a:extLst>
-              <a:ext uri="{FF2B5EF4-FFF2-40B4-BE49-F238E27FC236}">
-                <a16:creationId xmlns:a16="http://schemas.microsoft.com/office/drawing/2014/main" id="{2FBB4B9C-C4AB-BA12-529B-BFFF289FB63B}"/>
-              </a:ext>
-            </a:extLst>
-          </p:cNvPr>
+              <a:rPr lang="en-US"/>
+              <a:t>Past Papers</a:t>
+            </a:r>
+          </a:p>
+        </p:txBody>
+      </p:sp>
+      <!-- Content Placeholder -->
+      <p:sp>
+        <p:nvSpPr>
+          <p:cNvPr id="3" name="Content Placeholder 2"/>
           <p:cNvSpPr>
             <a:spLocks noGrp="1"/>
           </p:cNvSpPr>
@@ -3914,39 +3904,17 @@
           <a:bodyPr/>
           <a:lstStyle/>
           <a:p>
-            <a:pPr marL="0" indent="0">
-              <a:buNone/>
-            </a:pPr>
-            <a:r>
-              <a:rPr lang="en-US" dirty="0"/>
-              <a:t>May 25</a:t>
-            </a:r>
-            <a:r>
-              <a:rPr lang="en-US" baseline="30000" dirty="0"/>
-              <a:t>th</a:t>
-            </a:r>
-            <a:r>
-              <a:rPr lang="en-US" dirty="0"/>
-              <a:t> 2025: Talk to Your Slides: Language-Driven Agents for Efficient Slide Editing</a:t>
-            </a:r>
-          </a:p>
-          <a:p>
-            <a:pPr marL="0" indent="0">
-              <a:buNone/>
-            </a:pPr>
-            <a:endParaRPr lang="en-US" dirty="0"/>
-          </a:p>
-        </p:txBody>
-      </p:sp>
+            <a:r>
+              <a:rPr lang="en-US"/>
+              <a:t>May 25th 2025: Talk to Your Slides: Language-Driven Agents for Efficient Slide Editing</a:t>
+            </a:r>
+          </a:p>
+        </p:txBody>
+      </p:sp>
+      <!-- Picture 4 (made smaller, top-aligned) -->
       <p:pic>
         <p:nvPicPr>
-          <p:cNvPr id="5" name="Picture 4" descr="A screenshot of a computer&#10;&#10;AI-generated content may be incorrect.">
-            <a:extLst>
-              <a:ext uri="{FF2B5EF4-FFF2-40B4-BE49-F238E27FC236}">
-                <a16:creationId xmlns:a16="http://schemas.microsoft.com/office/drawing/2014/main" id="{641E66C3-69FB-1B8F-6678-8D2EFD5E3B74}"/>
-              </a:ext>
-            </a:extLst>
-          </p:cNvPr>
+          <p:cNvPr id="5" name="Picture 4"/>
           <p:cNvPicPr>
             <a:picLocks noChangeAspect="1"/>
           </p:cNvPicPr>
@@ -3960,23 +3928,18 @@
         </p:blipFill>
         <p:spPr>
           <a:xfrm>
-            <a:off x="2838200" y="2978707"/>
-            <a:ext cx="5699708" cy="3333193"/>
+            <a:off x="200000" y="1800000"/>
+            <a:ext cx="3500000" cy="2000000"/>
           </a:xfrm>
           <a:prstGeom prst="rect">
             <a:avLst/>
           </a:prstGeom>
         </p:spPr>
       </p:pic>
+      <!-- Picture 6 (made smaller, centered horizontally with Picture 4) -->
       <p:pic>
         <p:nvPicPr>
-          <p:cNvPr id="7" name="Picture 6" descr="A screenshot of a white page&#10;&#10;AI-generated content may be incorrect.">
-            <a:extLst>
-              <a:ext uri="{FF2B5EF4-FFF2-40B4-BE49-F238E27FC236}">
-                <a16:creationId xmlns:a16="http://schemas.microsoft.com/office/drawing/2014/main" id="{79E2F855-384A-2EC3-B04F-31B7FA4E0882}"/>
-              </a:ext>
-            </a:extLst>
-          </p:cNvPr>
+          <p:cNvPr id="7" name="Picture 6"/>
           <p:cNvPicPr>
             <a:picLocks noChangeAspect="1"/>
           </p:cNvPicPr>
@@ -3990,23 +3953,18 @@
         </p:blipFill>
         <p:spPr>
           <a:xfrm>
-            <a:off x="8686527" y="2158740"/>
-            <a:ext cx="4518654" cy="2894137"/>
+            <a:off x="3800000" y="1800000"/>
+            <a:ext cx="3500000" cy="2000000"/>
           </a:xfrm>
           <a:prstGeom prst="rect">
             <a:avLst/>
           </a:prstGeom>
         </p:spPr>
       </p:pic>
+      <!-- Picture 8 (made smaller, aligned horizontally with Picture 6) -->
       <p:pic>
         <p:nvPicPr>
-          <p:cNvPr id="9" name="Picture 8" descr="A screenshot of a graph&#10;&#10;AI-generated content may be incorrect.">
-            <a:extLst>
-              <a:ext uri="{FF2B5EF4-FFF2-40B4-BE49-F238E27FC236}">
-                <a16:creationId xmlns:a16="http://schemas.microsoft.com/office/drawing/2014/main" id="{EABD9F26-AA0C-C3EF-2396-C35872FB30B6}"/>
-              </a:ext>
-            </a:extLst>
-          </p:cNvPr>
+          <p:cNvPr id="9" name="Picture 8"/>
           <p:cNvPicPr>
             <a:picLocks noChangeAspect="1"/>
           </p:cNvPicPr>
@@ -4020,30 +3978,25 @@
         </p:blipFill>
         <p:spPr>
           <a:xfrm>
-            <a:off x="9849735" y="4899866"/>
-            <a:ext cx="3472870" cy="1923061"/>
+            <a:off x="7400000" y="1800000"/>
+            <a:ext cx="3500000" cy="2000000"/>
           </a:xfrm>
           <a:prstGeom prst="rect">
             <a:avLst/>
           </a:prstGeom>
         </p:spPr>
       </p:pic>
-      <p:sp>
-        <p:nvSpPr>
-          <p:cNvPr id="11" name="TextBox 10">
-            <a:extLst>
-              <a:ext uri="{FF2B5EF4-FFF2-40B4-BE49-F238E27FC236}">
-                <a16:creationId xmlns:a16="http://schemas.microsoft.com/office/drawing/2014/main" id="{7BC0A61D-808D-46D9-5B17-DBC2BC1BC6E5}"/>
-              </a:ext>
-            </a:extLst>
-          </p:cNvPr>
+      <!-- Extended TextBox at bottom -->
+      <p:sp>
+        <p:nvSpPr>
+          <p:cNvPr id="11" name="TextBox 10"/>
           <p:cNvSpPr txBox="1"/>
           <p:nvPr/>
         </p:nvSpPr>
         <p:spPr>
           <a:xfrm>
-            <a:off x="638049" y="4970000"/>
-            <a:ext cx="4803157" cy="646331"/>
+            <a:off x="200000" y="4500000"/>
+            <a:ext cx="11500000" cy="400000"/>
           </a:xfrm>
           <a:prstGeom prst="rect">
             <a:avLst/>
@@ -4051,24 +4004,21 @@
           <a:noFill/>
         </p:spPr>
         <p:txBody>
-          <a:bodyPr wrap="square">
+          <a:bodyPr wrap="square" rtlCol="0">
             <a:spAutoFit/>
           </a:bodyPr>
           <a:lstStyle/>
           <a:p>
             <a:r>
-              <a:rPr lang="en-US" dirty="0"/>
+              <a:rPr lang="en-US"/>
               <a:t>https://anonymous.4open.science/r/Talk-to-Your-Slides-0F4C/README.md</a:t>
             </a:r>
-            <a:endParaRPr lang="en-US" dirty="0"/>
           </a:p>
         </p:txBody>
       </p:sp>
     </p:spTree>
     <p:extLst>
-      <p:ext uri="{BB962C8B-B14F-4D97-AF65-F5344CB8AC3E}">
-        <p14:creationId xmlns:p14="http://schemas.microsoft.com/office/powerpoint/2010/main" val="2762541602"/>
-      </p:ext>
+      <p:ext uri="{BB962C8B-B14F-4D97-AF65-F5344CB8AC3E}"/>
     </p:extLst>
   </p:cSld>
   <p:clrMapOvr>
